--- a/stage5/hackbio_stage5_pitch.pptx
+++ b/stage5/hackbio_stage5_pitch.pptx
@@ -6185,9 +6185,16 @@
             <p:ph type="title"/>
           </p:nvPr>
         </p:nvSpPr>
-        <p:spPr/>
+        <p:spPr>
+          <a:xfrm>
+            <a:off x="838200" y="365126"/>
+            <a:ext cx="10515600" cy="692710"/>
+          </a:xfrm>
+        </p:spPr>
         <p:txBody>
-          <a:bodyPr/>
+          <a:bodyPr>
+            <a:normAutofit fontScale="90000"/>
+          </a:bodyPr>
           <a:lstStyle/>
           <a:p>
             <a:r>
@@ -6216,19 +6223,49 @@
         </p:nvSpPr>
         <p:spPr>
           <a:xfrm>
-            <a:off x="718457" y="1690688"/>
-            <a:ext cx="10787743" cy="4802187"/>
+            <a:off x="718457" y="1264024"/>
+            <a:ext cx="10787743" cy="5334000"/>
           </a:xfrm>
         </p:spPr>
         <p:txBody>
           <a:bodyPr>
-            <a:normAutofit fontScale="70000" lnSpcReduction="20000"/>
+            <a:normAutofit fontScale="55000" lnSpcReduction="20000"/>
           </a:bodyPr>
           <a:lstStyle/>
           <a:p>
             <a:r>
               <a:rPr lang="en-US" dirty="0"/>
-              <a:t>Hepatocellular carcinoma (HCC) ranks as the fifth most prevalent cancer globally and the fourth leading cause of cancer-related deaths (Parkin et al., 2001; Bosch et al., 2004).</a:t>
+              <a:t>Liver cancer ranks as the fourth main causes of cancer-related deaths globally [1]. </a:t>
+            </a:r>
+          </a:p>
+          <a:p>
+            <a:r>
+              <a:rPr lang="en-US" dirty="0"/>
+              <a:t>The most common is the Hepatocellular carcinoma (HCC).</a:t>
+            </a:r>
+          </a:p>
+          <a:p>
+            <a:r>
+              <a:rPr lang="en-US" dirty="0"/>
+              <a:t>Caused by genetic factors</a:t>
+            </a:r>
+          </a:p>
+          <a:p>
+            <a:r>
+              <a:rPr lang="en-US" dirty="0"/>
+              <a:t>Non-genetic risk factors such as Hepatitis B or C virus and lifestyle changes such as smoking, alcohol consumption</a:t>
+            </a:r>
+          </a:p>
+          <a:p>
+            <a:r>
+              <a:rPr lang="en-US" dirty="0"/>
+              <a:t>Causing gene mutations and uncontrolled cell growth.</a:t>
+            </a:r>
+          </a:p>
+          <a:p>
+            <a:r>
+              <a:rPr lang="en-US" dirty="0"/>
+              <a:t>Frequent driver gene alterations on cell cycle genes such as TERT, TP52, RB1, and PTEN genes [2]</a:t>
             </a:r>
           </a:p>
           <a:p>
@@ -6333,9 +6370,6 @@
               <a:rPr lang="en-US" dirty="0"/>
               <a:t>: Enables personalized treatments for better patient outcomes.</a:t>
             </a:r>
-          </a:p>
-          <a:p>
-            <a:endParaRPr lang="en-GB" dirty="0"/>
           </a:p>
         </p:txBody>
       </p:sp>
@@ -6370,7 +6404,7 @@
                             </p:stCondLst>
                             <p:childTnLst>
                               <p:par>
-                                <p:cTn id="5" presetID="1" presetClass="entr" presetSubtype="0" fill="hold" nodeType="clickEffect">
+                                <p:cTn id="5" presetID="10" presetClass="entr" presetSubtype="0" fill="hold" nodeType="clickEffect">
                                   <p:stCondLst>
                                     <p:cond delay="0"/>
                                   </p:stCondLst>
@@ -6397,18 +6431,30 @@
                                         <p:strVal val="visible"/>
                                       </p:to>
                                     </p:set>
+                                    <p:animEffect transition="in" filter="fade">
+                                      <p:cBhvr>
+                                        <p:cTn id="7" dur="500"/>
+                                        <p:tgtEl>
+                                          <p:spTgt spid="3">
+                                            <p:txEl>
+                                              <p:pRg st="0" end="0"/>
+                                            </p:txEl>
+                                          </p:spTgt>
+                                        </p:tgtEl>
+                                      </p:cBhvr>
+                                    </p:animEffect>
                                   </p:childTnLst>
                                 </p:cTn>
                               </p:par>
                               <p:par>
-                                <p:cTn id="7" presetID="1" presetClass="entr" presetSubtype="0" fill="hold" nodeType="withEffect">
+                                <p:cTn id="8" presetID="10" presetClass="entr" presetSubtype="0" fill="hold" nodeType="withEffect">
                                   <p:stCondLst>
                                     <p:cond delay="0"/>
                                   </p:stCondLst>
                                   <p:childTnLst>
                                     <p:set>
                                       <p:cBhvr>
-                                        <p:cTn id="8" dur="1" fill="hold">
+                                        <p:cTn id="9" dur="1" fill="hold">
                                           <p:stCondLst>
                                             <p:cond delay="0"/>
                                           </p:stCondLst>
@@ -6428,29 +6474,23 @@
                                         <p:strVal val="visible"/>
                                       </p:to>
                                     </p:set>
+                                    <p:animEffect transition="in" filter="fade">
+                                      <p:cBhvr>
+                                        <p:cTn id="10" dur="500"/>
+                                        <p:tgtEl>
+                                          <p:spTgt spid="3">
+                                            <p:txEl>
+                                              <p:pRg st="1" end="1"/>
+                                            </p:txEl>
+                                          </p:spTgt>
+                                        </p:tgtEl>
+                                      </p:cBhvr>
+                                    </p:animEffect>
                                   </p:childTnLst>
                                 </p:cTn>
                               </p:par>
-                            </p:childTnLst>
-                          </p:cTn>
-                        </p:par>
-                      </p:childTnLst>
-                    </p:cTn>
-                  </p:par>
-                  <p:par>
-                    <p:cTn id="9" fill="hold">
-                      <p:stCondLst>
-                        <p:cond delay="indefinite"/>
-                      </p:stCondLst>
-                      <p:childTnLst>
-                        <p:par>
-                          <p:cTn id="10" fill="hold">
-                            <p:stCondLst>
-                              <p:cond delay="0"/>
-                            </p:stCondLst>
-                            <p:childTnLst>
                               <p:par>
-                                <p:cTn id="11" presetID="1" presetClass="entr" presetSubtype="0" fill="hold" nodeType="clickEffect">
+                                <p:cTn id="11" presetID="10" presetClass="entr" presetSubtype="0" fill="hold" nodeType="withEffect">
                                   <p:stCondLst>
                                     <p:cond delay="0"/>
                                   </p:stCondLst>
@@ -6458,6 +6498,49 @@
                                     <p:set>
                                       <p:cBhvr>
                                         <p:cTn id="12" dur="1" fill="hold">
+                                          <p:stCondLst>
+                                            <p:cond delay="0"/>
+                                          </p:stCondLst>
+                                        </p:cTn>
+                                        <p:tgtEl>
+                                          <p:spTgt spid="3">
+                                            <p:txEl>
+                                              <p:pRg st="2" end="2"/>
+                                            </p:txEl>
+                                          </p:spTgt>
+                                        </p:tgtEl>
+                                        <p:attrNameLst>
+                                          <p:attrName>style.visibility</p:attrName>
+                                        </p:attrNameLst>
+                                      </p:cBhvr>
+                                      <p:to>
+                                        <p:strVal val="visible"/>
+                                      </p:to>
+                                    </p:set>
+                                    <p:animEffect transition="in" filter="fade">
+                                      <p:cBhvr>
+                                        <p:cTn id="13" dur="500"/>
+                                        <p:tgtEl>
+                                          <p:spTgt spid="3">
+                                            <p:txEl>
+                                              <p:pRg st="2" end="2"/>
+                                            </p:txEl>
+                                          </p:spTgt>
+                                        </p:tgtEl>
+                                      </p:cBhvr>
+                                    </p:animEffect>
+                                  </p:childTnLst>
+                                </p:cTn>
+                              </p:par>
+                              <p:par>
+                                <p:cTn id="14" presetID="10" presetClass="entr" presetSubtype="0" fill="hold" nodeType="withEffect">
+                                  <p:stCondLst>
+                                    <p:cond delay="0"/>
+                                  </p:stCondLst>
+                                  <p:childTnLst>
+                                    <p:set>
+                                      <p:cBhvr>
+                                        <p:cTn id="15" dur="1" fill="hold">
                                           <p:stCondLst>
                                             <p:cond delay="0"/>
                                           </p:stCondLst>
@@ -6477,18 +6560,30 @@
                                         <p:strVal val="visible"/>
                                       </p:to>
                                     </p:set>
+                                    <p:animEffect transition="in" filter="fade">
+                                      <p:cBhvr>
+                                        <p:cTn id="16" dur="500"/>
+                                        <p:tgtEl>
+                                          <p:spTgt spid="3">
+                                            <p:txEl>
+                                              <p:pRg st="3" end="3"/>
+                                            </p:txEl>
+                                          </p:spTgt>
+                                        </p:tgtEl>
+                                      </p:cBhvr>
+                                    </p:animEffect>
                                   </p:childTnLst>
                                 </p:cTn>
                               </p:par>
                               <p:par>
-                                <p:cTn id="13" presetID="1" presetClass="entr" presetSubtype="0" fill="hold" nodeType="withEffect">
+                                <p:cTn id="17" presetID="10" presetClass="entr" presetSubtype="0" fill="hold" nodeType="withEffect">
                                   <p:stCondLst>
                                     <p:cond delay="0"/>
                                   </p:stCondLst>
                                   <p:childTnLst>
                                     <p:set>
                                       <p:cBhvr>
-                                        <p:cTn id="14" dur="1" fill="hold">
+                                        <p:cTn id="18" dur="1" fill="hold">
                                           <p:stCondLst>
                                             <p:cond delay="0"/>
                                           </p:stCondLst>
@@ -6508,62 +6603,13 @@
                                         <p:strVal val="visible"/>
                                       </p:to>
                                     </p:set>
-                                  </p:childTnLst>
-                                </p:cTn>
-                              </p:par>
-                            </p:childTnLst>
-                          </p:cTn>
-                        </p:par>
-                      </p:childTnLst>
-                    </p:cTn>
-                  </p:par>
-                  <p:par>
-                    <p:cTn id="15" fill="hold">
-                      <p:stCondLst>
-                        <p:cond delay="indefinite"/>
-                      </p:stCondLst>
-                      <p:childTnLst>
-                        <p:par>
-                          <p:cTn id="16" fill="hold">
-                            <p:stCondLst>
-                              <p:cond delay="0"/>
-                            </p:stCondLst>
-                            <p:childTnLst>
-                              <p:par>
-                                <p:cTn id="17" presetID="10" presetClass="entr" presetSubtype="0" fill="hold" nodeType="clickEffect">
-                                  <p:stCondLst>
-                                    <p:cond delay="0"/>
-                                  </p:stCondLst>
-                                  <p:childTnLst>
-                                    <p:set>
-                                      <p:cBhvr>
-                                        <p:cTn id="18" dur="1" fill="hold">
-                                          <p:stCondLst>
-                                            <p:cond delay="0"/>
-                                          </p:stCondLst>
-                                        </p:cTn>
-                                        <p:tgtEl>
-                                          <p:spTgt spid="3">
-                                            <p:txEl>
-                                              <p:pRg st="6" end="6"/>
-                                            </p:txEl>
-                                          </p:spTgt>
-                                        </p:tgtEl>
-                                        <p:attrNameLst>
-                                          <p:attrName>style.visibility</p:attrName>
-                                        </p:attrNameLst>
-                                      </p:cBhvr>
-                                      <p:to>
-                                        <p:strVal val="visible"/>
-                                      </p:to>
-                                    </p:set>
                                     <p:animEffect transition="in" filter="fade">
                                       <p:cBhvr>
                                         <p:cTn id="19" dur="500"/>
                                         <p:tgtEl>
                                           <p:spTgt spid="3">
                                             <p:txEl>
-                                              <p:pRg st="6" end="6"/>
+                                              <p:pRg st="4" end="4"/>
                                             </p:txEl>
                                           </p:spTgt>
                                         </p:tgtEl>
@@ -6588,7 +6634,7 @@
                                         <p:tgtEl>
                                           <p:spTgt spid="3">
                                             <p:txEl>
-                                              <p:pRg st="7" end="7"/>
+                                              <p:pRg st="5" end="5"/>
                                             </p:txEl>
                                           </p:spTgt>
                                         </p:tgtEl>
@@ -6606,7 +6652,7 @@
                                         <p:tgtEl>
                                           <p:spTgt spid="3">
                                             <p:txEl>
-                                              <p:pRg st="7" end="7"/>
+                                              <p:pRg st="5" end="5"/>
                                             </p:txEl>
                                           </p:spTgt>
                                         </p:tgtEl>
@@ -6631,7 +6677,7 @@
                                         <p:tgtEl>
                                           <p:spTgt spid="3">
                                             <p:txEl>
-                                              <p:pRg st="8" end="8"/>
+                                              <p:pRg st="6" end="6"/>
                                             </p:txEl>
                                           </p:spTgt>
                                         </p:tgtEl>
@@ -6649,7 +6695,7 @@
                                         <p:tgtEl>
                                           <p:spTgt spid="3">
                                             <p:txEl>
-                                              <p:pRg st="8" end="8"/>
+                                              <p:pRg st="6" end="6"/>
                                             </p:txEl>
                                           </p:spTgt>
                                         </p:tgtEl>
@@ -6658,15 +6704,64 @@
                                   </p:childTnLst>
                                 </p:cTn>
                               </p:par>
+                            </p:childTnLst>
+                          </p:cTn>
+                        </p:par>
+                      </p:childTnLst>
+                    </p:cTn>
+                  </p:par>
+                  <p:par>
+                    <p:cTn id="26" fill="hold">
+                      <p:stCondLst>
+                        <p:cond delay="indefinite"/>
+                      </p:stCondLst>
+                      <p:childTnLst>
+                        <p:par>
+                          <p:cTn id="27" fill="hold">
+                            <p:stCondLst>
+                              <p:cond delay="0"/>
+                            </p:stCondLst>
+                            <p:childTnLst>
                               <p:par>
-                                <p:cTn id="26" presetID="10" presetClass="entr" presetSubtype="0" fill="hold" nodeType="withEffect">
+                                <p:cTn id="28" presetID="1" presetClass="entr" presetSubtype="0" fill="hold" nodeType="clickEffect">
                                   <p:stCondLst>
                                     <p:cond delay="0"/>
                                   </p:stCondLst>
                                   <p:childTnLst>
                                     <p:set>
                                       <p:cBhvr>
-                                        <p:cTn id="27" dur="1" fill="hold">
+                                        <p:cTn id="29" dur="1" fill="hold">
+                                          <p:stCondLst>
+                                            <p:cond delay="0"/>
+                                          </p:stCondLst>
+                                        </p:cTn>
+                                        <p:tgtEl>
+                                          <p:spTgt spid="3">
+                                            <p:txEl>
+                                              <p:pRg st="8" end="8"/>
+                                            </p:txEl>
+                                          </p:spTgt>
+                                        </p:tgtEl>
+                                        <p:attrNameLst>
+                                          <p:attrName>style.visibility</p:attrName>
+                                        </p:attrNameLst>
+                                      </p:cBhvr>
+                                      <p:to>
+                                        <p:strVal val="visible"/>
+                                      </p:to>
+                                    </p:set>
+                                  </p:childTnLst>
+                                </p:cTn>
+                              </p:par>
+                              <p:par>
+                                <p:cTn id="30" presetID="1" presetClass="entr" presetSubtype="0" fill="hold" nodeType="withEffect">
+                                  <p:stCondLst>
+                                    <p:cond delay="0"/>
+                                  </p:stCondLst>
+                                  <p:childTnLst>
+                                    <p:set>
+                                      <p:cBhvr>
+                                        <p:cTn id="31" dur="1" fill="hold">
                                           <p:stCondLst>
                                             <p:cond delay="0"/>
                                           </p:stCondLst>
@@ -6686,30 +6781,36 @@
                                         <p:strVal val="visible"/>
                                       </p:to>
                                     </p:set>
-                                    <p:animEffect transition="in" filter="fade">
-                                      <p:cBhvr>
-                                        <p:cTn id="28" dur="500"/>
-                                        <p:tgtEl>
-                                          <p:spTgt spid="3">
-                                            <p:txEl>
-                                              <p:pRg st="9" end="9"/>
-                                            </p:txEl>
-                                          </p:spTgt>
-                                        </p:tgtEl>
-                                      </p:cBhvr>
-                                    </p:animEffect>
                                   </p:childTnLst>
                                 </p:cTn>
                               </p:par>
+                            </p:childTnLst>
+                          </p:cTn>
+                        </p:par>
+                      </p:childTnLst>
+                    </p:cTn>
+                  </p:par>
+                  <p:par>
+                    <p:cTn id="32" fill="hold">
+                      <p:stCondLst>
+                        <p:cond delay="indefinite"/>
+                      </p:stCondLst>
+                      <p:childTnLst>
+                        <p:par>
+                          <p:cTn id="33" fill="hold">
+                            <p:stCondLst>
+                              <p:cond delay="0"/>
+                            </p:stCondLst>
+                            <p:childTnLst>
                               <p:par>
-                                <p:cTn id="29" presetID="10" presetClass="entr" presetSubtype="0" fill="hold" nodeType="withEffect">
+                                <p:cTn id="34" presetID="10" presetClass="entr" presetSubtype="0" fill="hold" nodeType="clickEffect">
                                   <p:stCondLst>
                                     <p:cond delay="0"/>
                                   </p:stCondLst>
                                   <p:childTnLst>
                                     <p:set>
                                       <p:cBhvr>
-                                        <p:cTn id="30" dur="1" fill="hold">
+                                        <p:cTn id="35" dur="1" fill="hold">
                                           <p:stCondLst>
                                             <p:cond delay="0"/>
                                           </p:stCondLst>
@@ -6717,7 +6818,7 @@
                                         <p:tgtEl>
                                           <p:spTgt spid="3">
                                             <p:txEl>
-                                              <p:pRg st="10" end="10"/>
+                                              <p:pRg st="11" end="11"/>
                                             </p:txEl>
                                           </p:spTgt>
                                         </p:tgtEl>
@@ -6731,11 +6832,183 @@
                                     </p:set>
                                     <p:animEffect transition="in" filter="fade">
                                       <p:cBhvr>
-                                        <p:cTn id="31" dur="500"/>
+                                        <p:cTn id="36" dur="500"/>
                                         <p:tgtEl>
                                           <p:spTgt spid="3">
                                             <p:txEl>
-                                              <p:pRg st="10" end="10"/>
+                                              <p:pRg st="11" end="11"/>
+                                            </p:txEl>
+                                          </p:spTgt>
+                                        </p:tgtEl>
+                                      </p:cBhvr>
+                                    </p:animEffect>
+                                  </p:childTnLst>
+                                </p:cTn>
+                              </p:par>
+                              <p:par>
+                                <p:cTn id="37" presetID="10" presetClass="entr" presetSubtype="0" fill="hold" nodeType="withEffect">
+                                  <p:stCondLst>
+                                    <p:cond delay="0"/>
+                                  </p:stCondLst>
+                                  <p:childTnLst>
+                                    <p:set>
+                                      <p:cBhvr>
+                                        <p:cTn id="38" dur="1" fill="hold">
+                                          <p:stCondLst>
+                                            <p:cond delay="0"/>
+                                          </p:stCondLst>
+                                        </p:cTn>
+                                        <p:tgtEl>
+                                          <p:spTgt spid="3">
+                                            <p:txEl>
+                                              <p:pRg st="12" end="12"/>
+                                            </p:txEl>
+                                          </p:spTgt>
+                                        </p:tgtEl>
+                                        <p:attrNameLst>
+                                          <p:attrName>style.visibility</p:attrName>
+                                        </p:attrNameLst>
+                                      </p:cBhvr>
+                                      <p:to>
+                                        <p:strVal val="visible"/>
+                                      </p:to>
+                                    </p:set>
+                                    <p:animEffect transition="in" filter="fade">
+                                      <p:cBhvr>
+                                        <p:cTn id="39" dur="500"/>
+                                        <p:tgtEl>
+                                          <p:spTgt spid="3">
+                                            <p:txEl>
+                                              <p:pRg st="12" end="12"/>
+                                            </p:txEl>
+                                          </p:spTgt>
+                                        </p:tgtEl>
+                                      </p:cBhvr>
+                                    </p:animEffect>
+                                  </p:childTnLst>
+                                </p:cTn>
+                              </p:par>
+                              <p:par>
+                                <p:cTn id="40" presetID="10" presetClass="entr" presetSubtype="0" fill="hold" nodeType="withEffect">
+                                  <p:stCondLst>
+                                    <p:cond delay="0"/>
+                                  </p:stCondLst>
+                                  <p:childTnLst>
+                                    <p:set>
+                                      <p:cBhvr>
+                                        <p:cTn id="41" dur="1" fill="hold">
+                                          <p:stCondLst>
+                                            <p:cond delay="0"/>
+                                          </p:stCondLst>
+                                        </p:cTn>
+                                        <p:tgtEl>
+                                          <p:spTgt spid="3">
+                                            <p:txEl>
+                                              <p:pRg st="13" end="13"/>
+                                            </p:txEl>
+                                          </p:spTgt>
+                                        </p:tgtEl>
+                                        <p:attrNameLst>
+                                          <p:attrName>style.visibility</p:attrName>
+                                        </p:attrNameLst>
+                                      </p:cBhvr>
+                                      <p:to>
+                                        <p:strVal val="visible"/>
+                                      </p:to>
+                                    </p:set>
+                                    <p:animEffect transition="in" filter="fade">
+                                      <p:cBhvr>
+                                        <p:cTn id="42" dur="500"/>
+                                        <p:tgtEl>
+                                          <p:spTgt spid="3">
+                                            <p:txEl>
+                                              <p:pRg st="13" end="13"/>
+                                            </p:txEl>
+                                          </p:spTgt>
+                                        </p:tgtEl>
+                                      </p:cBhvr>
+                                    </p:animEffect>
+                                  </p:childTnLst>
+                                </p:cTn>
+                              </p:par>
+                              <p:par>
+                                <p:cTn id="43" presetID="10" presetClass="entr" presetSubtype="0" fill="hold" nodeType="withEffect">
+                                  <p:stCondLst>
+                                    <p:cond delay="0"/>
+                                  </p:stCondLst>
+                                  <p:childTnLst>
+                                    <p:set>
+                                      <p:cBhvr>
+                                        <p:cTn id="44" dur="1" fill="hold">
+                                          <p:stCondLst>
+                                            <p:cond delay="0"/>
+                                          </p:stCondLst>
+                                        </p:cTn>
+                                        <p:tgtEl>
+                                          <p:spTgt spid="3">
+                                            <p:txEl>
+                                              <p:pRg st="14" end="14"/>
+                                            </p:txEl>
+                                          </p:spTgt>
+                                        </p:tgtEl>
+                                        <p:attrNameLst>
+                                          <p:attrName>style.visibility</p:attrName>
+                                        </p:attrNameLst>
+                                      </p:cBhvr>
+                                      <p:to>
+                                        <p:strVal val="visible"/>
+                                      </p:to>
+                                    </p:set>
+                                    <p:animEffect transition="in" filter="fade">
+                                      <p:cBhvr>
+                                        <p:cTn id="45" dur="500"/>
+                                        <p:tgtEl>
+                                          <p:spTgt spid="3">
+                                            <p:txEl>
+                                              <p:pRg st="14" end="14"/>
+                                            </p:txEl>
+                                          </p:spTgt>
+                                        </p:tgtEl>
+                                      </p:cBhvr>
+                                    </p:animEffect>
+                                  </p:childTnLst>
+                                </p:cTn>
+                              </p:par>
+                              <p:par>
+                                <p:cTn id="46" presetID="10" presetClass="entr" presetSubtype="0" fill="hold" nodeType="withEffect">
+                                  <p:stCondLst>
+                                    <p:cond delay="0"/>
+                                  </p:stCondLst>
+                                  <p:childTnLst>
+                                    <p:set>
+                                      <p:cBhvr>
+                                        <p:cTn id="47" dur="1" fill="hold">
+                                          <p:stCondLst>
+                                            <p:cond delay="0"/>
+                                          </p:stCondLst>
+                                        </p:cTn>
+                                        <p:tgtEl>
+                                          <p:spTgt spid="3">
+                                            <p:txEl>
+                                              <p:pRg st="15" end="15"/>
+                                            </p:txEl>
+                                          </p:spTgt>
+                                        </p:tgtEl>
+                                        <p:attrNameLst>
+                                          <p:attrName>style.visibility</p:attrName>
+                                        </p:attrNameLst>
+                                      </p:cBhvr>
+                                      <p:to>
+                                        <p:strVal val="visible"/>
+                                      </p:to>
+                                    </p:set>
+                                    <p:animEffect transition="in" filter="fade">
+                                      <p:cBhvr>
+                                        <p:cTn id="48" dur="500"/>
+                                        <p:tgtEl>
+                                          <p:spTgt spid="3">
+                                            <p:txEl>
+                                              <p:pRg st="15" end="15"/>
                                             </p:txEl>
                                           </p:spTgt>
                                         </p:tgtEl>
@@ -10359,172 +10632,365 @@
         </p:nvSpPr>
         <p:spPr/>
         <p:txBody>
-          <a:bodyPr/>
+          <a:bodyPr>
+            <a:normAutofit/>
+          </a:bodyPr>
           <a:lstStyle/>
           <a:p>
-            <a:r>
-              <a:rPr lang="en-US" b="0" i="0" dirty="0">
+            <a:pPr marL="0" indent="0" eaLnBrk="0" fontAlgn="base" hangingPunct="0">
+              <a:lnSpc>
+                <a:spcPct val="100000"/>
+              </a:lnSpc>
+              <a:spcBef>
+                <a:spcPct val="0"/>
+              </a:spcBef>
+              <a:spcAft>
+                <a:spcPct val="0"/>
+              </a:spcAft>
+              <a:buNone/>
+            </a:pPr>
+            <a:r>
+              <a:rPr kumimoji="0" lang="en-US" altLang="en-US" sz="1800" b="0" i="0" u="none" strike="noStrike" cap="none" normalizeH="0" baseline="0" dirty="0">
+                <a:ln>
+                  <a:noFill/>
+                </a:ln>
                 <a:solidFill>
-                  <a:srgbClr val="222222"/>
+                  <a:schemeClr val="tx1"/>
                 </a:solidFill>
                 <a:effectLst/>
-                <a:latin typeface="-apple-system"/>
               </a:rPr>
-              <a:t>Bosch FX, Ribes J, Diaz M, </a:t>
-            </a:r>
-            <a:r>
-              <a:rPr lang="en-US" b="0" i="0" dirty="0" err="1">
+              <a:t>[1]   Galicia-Moreno, M., Silva-Gomez, J. A., Lucano-</a:t>
+            </a:r>
+            <a:r>
+              <a:rPr kumimoji="0" lang="en-US" altLang="en-US" sz="1800" b="0" i="0" u="none" strike="noStrike" cap="none" normalizeH="0" baseline="0" dirty="0" err="1">
+                <a:ln>
+                  <a:noFill/>
+                </a:ln>
                 <a:solidFill>
-                  <a:srgbClr val="222222"/>
+                  <a:schemeClr val="tx1"/>
                 </a:solidFill>
                 <a:effectLst/>
-                <a:latin typeface="-apple-system"/>
               </a:rPr>
-              <a:t>Cleries</a:t>
-            </a:r>
-            <a:r>
-              <a:rPr lang="en-US" b="0" i="0" dirty="0">
+              <a:t>Landeros</a:t>
+            </a:r>
+            <a:r>
+              <a:rPr kumimoji="0" lang="en-US" altLang="en-US" sz="1800" b="0" i="0" u="none" strike="noStrike" cap="none" normalizeH="0" baseline="0" dirty="0">
+                <a:ln>
+                  <a:noFill/>
+                </a:ln>
                 <a:solidFill>
-                  <a:srgbClr val="222222"/>
+                  <a:schemeClr val="tx1"/>
                 </a:solidFill>
                 <a:effectLst/>
-                <a:latin typeface="-apple-system"/>
               </a:rPr>
-              <a:t> R (2004) Primary liver cancer: worldwide incidence and trends. </a:t>
-            </a:r>
-            <a:r>
-              <a:rPr lang="en-US" b="0" i="1" dirty="0">
+              <a:t>, S., Santos, A., Monroy-Ramirez, H. C., &amp; Armendariz-</a:t>
+            </a:r>
+            <a:r>
+              <a:rPr kumimoji="0" lang="en-US" altLang="en-US" sz="1800" b="0" i="0" u="none" strike="noStrike" cap="none" normalizeH="0" baseline="0" dirty="0" err="1">
+                <a:ln>
+                  <a:noFill/>
+                </a:ln>
                 <a:solidFill>
-                  <a:srgbClr val="222222"/>
+                  <a:schemeClr val="tx1"/>
                 </a:solidFill>
                 <a:effectLst/>
-                <a:latin typeface="-apple-system"/>
               </a:rPr>
-              <a:t>Gastroenterology</a:t>
-            </a:r>
-            <a:r>
-              <a:rPr lang="en-US" b="0" i="0" dirty="0">
+              <a:t>Borunda</a:t>
+            </a:r>
+            <a:r>
+              <a:rPr kumimoji="0" lang="en-US" altLang="en-US" sz="1800" b="0" i="0" u="none" strike="noStrike" cap="none" normalizeH="0" baseline="0" dirty="0">
+                <a:ln>
+                  <a:noFill/>
+                </a:ln>
                 <a:solidFill>
-                  <a:srgbClr val="222222"/>
+                  <a:schemeClr val="tx1"/>
                 </a:solidFill>
                 <a:effectLst/>
-                <a:latin typeface="-apple-system"/>
               </a:rPr>
-              <a:t> </a:t>
-            </a:r>
-            <a:r>
-              <a:rPr lang="en-US" b="1" i="0" dirty="0">
+              <a:t>, J. (2021). Liver Cancer: Therapeutic Challenges and the Importance of Experimental Models. </a:t>
+            </a:r>
+            <a:r>
+              <a:rPr kumimoji="0" lang="en-US" altLang="en-US" sz="1800" b="0" i="1" u="none" strike="noStrike" cap="none" normalizeH="0" baseline="0" dirty="0">
+                <a:ln>
+                  <a:noFill/>
+                </a:ln>
                 <a:solidFill>
-                  <a:srgbClr val="222222"/>
+                  <a:schemeClr val="tx1"/>
                 </a:solidFill>
                 <a:effectLst/>
-                <a:latin typeface="-apple-system"/>
               </a:rPr>
-              <a:t>127</a:t>
-            </a:r>
-            <a:r>
-              <a:rPr lang="en-US" b="0" i="0" dirty="0">
+              <a:t>Canadian Journal of Gastroenterology &amp; Hepatology</a:t>
+            </a:r>
+            <a:r>
+              <a:rPr kumimoji="0" lang="en-US" altLang="en-US" sz="1800" b="0" i="0" u="none" strike="noStrike" cap="none" normalizeH="0" baseline="0" dirty="0">
+                <a:ln>
+                  <a:noFill/>
+                </a:ln>
                 <a:solidFill>
-                  <a:srgbClr val="222222"/>
+                  <a:schemeClr val="tx1"/>
                 </a:solidFill>
                 <a:effectLst/>
-                <a:latin typeface="-apple-system"/>
               </a:rPr>
-              <a:t>: S5–S16</a:t>
-            </a:r>
-          </a:p>
-          <a:p>
-            <a:r>
-              <a:rPr lang="en-GB" b="0" i="0" dirty="0">
+              <a:t>, </a:t>
+            </a:r>
+            <a:r>
+              <a:rPr kumimoji="0" lang="en-US" altLang="en-US" sz="1800" b="0" i="1" u="none" strike="noStrike" cap="none" normalizeH="0" baseline="0" dirty="0">
+                <a:ln>
+                  <a:noFill/>
+                </a:ln>
                 <a:solidFill>
-                  <a:srgbClr val="222222"/>
+                  <a:schemeClr val="tx1"/>
                 </a:solidFill>
                 <a:effectLst/>
-                <a:latin typeface="-apple-system"/>
               </a:rPr>
-              <a:t>Parkin DM, Bray F, </a:t>
-            </a:r>
-            <a:r>
-              <a:rPr lang="en-GB" b="0" i="0" dirty="0" err="1">
+              <a:t>2021</a:t>
+            </a:r>
+            <a:r>
+              <a:rPr kumimoji="0" lang="en-US" altLang="en-US" sz="1800" b="0" i="0" u="none" strike="noStrike" cap="none" normalizeH="0" baseline="0" dirty="0">
+                <a:ln>
+                  <a:noFill/>
+                </a:ln>
                 <a:solidFill>
-                  <a:srgbClr val="222222"/>
+                  <a:schemeClr val="tx1"/>
                 </a:solidFill>
                 <a:effectLst/>
-                <a:latin typeface="-apple-system"/>
               </a:rPr>
-              <a:t>Ferlay</a:t>
-            </a:r>
-            <a:r>
-              <a:rPr lang="en-GB" b="0" i="0" dirty="0">
+              <a:t>. </a:t>
+            </a:r>
+            <a:r>
+              <a:rPr kumimoji="0" lang="en-US" altLang="en-US" sz="1800" b="0" i="0" u="none" strike="noStrike" cap="none" normalizeH="0" baseline="0" dirty="0">
+                <a:ln>
+                  <a:noFill/>
+                </a:ln>
                 <a:solidFill>
-                  <a:srgbClr val="222222"/>
+                  <a:schemeClr val="tx1"/>
                 </a:solidFill>
                 <a:effectLst/>
-                <a:latin typeface="-apple-system"/>
+                <a:hlinkClick r:id="rId2"/>
               </a:rPr>
-              <a:t> J, Pisani P (2001) Estimating the world cancer burden: </a:t>
-            </a:r>
-            <a:r>
-              <a:rPr lang="en-GB" b="0" i="0" dirty="0" err="1">
+              <a:t>https://doi.org/10.1155/2021/8837811</a:t>
+            </a:r>
+            <a:endParaRPr kumimoji="0" lang="en-US" altLang="en-US" sz="1800" b="0" i="0" u="none" strike="noStrike" cap="none" normalizeH="0" baseline="0" dirty="0">
+              <a:ln>
+                <a:noFill/>
+              </a:ln>
+              <a:solidFill>
+                <a:schemeClr val="tx1"/>
+              </a:solidFill>
+              <a:effectLst/>
+            </a:endParaRPr>
+          </a:p>
+          <a:p>
+            <a:pPr eaLnBrk="0" fontAlgn="base" hangingPunct="0">
+              <a:lnSpc>
+                <a:spcPct val="100000"/>
+              </a:lnSpc>
+              <a:spcBef>
+                <a:spcPct val="0"/>
+              </a:spcBef>
+              <a:spcAft>
+                <a:spcPct val="0"/>
+              </a:spcAft>
+            </a:pPr>
+            <a:endParaRPr lang="en-US" altLang="en-US" sz="1800" dirty="0"/>
+          </a:p>
+          <a:p>
+            <a:pPr marL="0" indent="0" eaLnBrk="0" fontAlgn="base" hangingPunct="0">
+              <a:lnSpc>
+                <a:spcPct val="100000"/>
+              </a:lnSpc>
+              <a:spcBef>
+                <a:spcPct val="0"/>
+              </a:spcBef>
+              <a:spcAft>
+                <a:spcPct val="0"/>
+              </a:spcAft>
+              <a:buNone/>
+            </a:pPr>
+            <a:r>
+              <a:rPr lang="en-US" altLang="en-US" sz="1800" dirty="0"/>
+              <a:t>[2]   </a:t>
+            </a:r>
+            <a:r>
+              <a:rPr kumimoji="0" lang="en-US" altLang="en-US" sz="1800" b="0" i="0" u="none" strike="noStrike" cap="none" normalizeH="0" baseline="0" dirty="0" err="1">
+                <a:ln>
+                  <a:noFill/>
+                </a:ln>
                 <a:solidFill>
-                  <a:srgbClr val="222222"/>
+                  <a:schemeClr val="tx1"/>
                 </a:solidFill>
                 <a:effectLst/>
-                <a:latin typeface="-apple-system"/>
               </a:rPr>
-              <a:t>Globocan</a:t>
-            </a:r>
-            <a:r>
-              <a:rPr lang="en-GB" b="0" i="0" dirty="0">
+              <a:t>Llovet</a:t>
+            </a:r>
+            <a:r>
+              <a:rPr kumimoji="0" lang="en-US" altLang="en-US" sz="1800" b="0" i="0" u="none" strike="noStrike" cap="none" normalizeH="0" baseline="0" dirty="0">
+                <a:ln>
+                  <a:noFill/>
+                </a:ln>
                 <a:solidFill>
-                  <a:srgbClr val="222222"/>
+                  <a:schemeClr val="tx1"/>
                 </a:solidFill>
                 <a:effectLst/>
-                <a:latin typeface="-apple-system"/>
               </a:rPr>
-              <a:t> 2000. </a:t>
-            </a:r>
-            <a:r>
-              <a:rPr lang="en-GB" b="0" i="1" dirty="0">
+              <a:t>, J. M., Kelley, R. K., Villanueva, A., </a:t>
+            </a:r>
+            <a:r>
+              <a:rPr kumimoji="0" lang="en-US" altLang="en-US" sz="1800" b="0" i="0" u="none" strike="noStrike" cap="none" normalizeH="0" baseline="0" dirty="0" err="1">
+                <a:ln>
+                  <a:noFill/>
+                </a:ln>
                 <a:solidFill>
-                  <a:srgbClr val="222222"/>
+                  <a:schemeClr val="tx1"/>
                 </a:solidFill>
                 <a:effectLst/>
-                <a:latin typeface="-apple-system"/>
               </a:rPr>
-              <a:t>Int J Cancer</a:t>
-            </a:r>
-            <a:r>
-              <a:rPr lang="en-GB" b="0" i="0" dirty="0">
+              <a:t>Singal</a:t>
+            </a:r>
+            <a:r>
+              <a:rPr kumimoji="0" lang="en-US" altLang="en-US" sz="1800" b="0" i="0" u="none" strike="noStrike" cap="none" normalizeH="0" baseline="0" dirty="0">
+                <a:ln>
+                  <a:noFill/>
+                </a:ln>
                 <a:solidFill>
-                  <a:srgbClr val="222222"/>
+                  <a:schemeClr val="tx1"/>
                 </a:solidFill>
                 <a:effectLst/>
-                <a:latin typeface="-apple-system"/>
               </a:rPr>
-              <a:t> </a:t>
-            </a:r>
-            <a:r>
-              <a:rPr lang="en-GB" b="1" i="0" dirty="0">
+              <a:t>, A. G., </a:t>
+            </a:r>
+            <a:r>
+              <a:rPr kumimoji="0" lang="en-US" altLang="en-US" sz="1800" b="0" i="0" u="none" strike="noStrike" cap="none" normalizeH="0" baseline="0" dirty="0" err="1">
+                <a:ln>
+                  <a:noFill/>
+                </a:ln>
                 <a:solidFill>
-                  <a:srgbClr val="222222"/>
+                  <a:schemeClr val="tx1"/>
                 </a:solidFill>
                 <a:effectLst/>
-                <a:latin typeface="-apple-system"/>
               </a:rPr>
-              <a:t>94</a:t>
-            </a:r>
-            <a:r>
-              <a:rPr lang="en-GB" b="0" i="0" dirty="0">
+              <a:t>Pikarsky</a:t>
+            </a:r>
+            <a:r>
+              <a:rPr kumimoji="0" lang="en-US" altLang="en-US" sz="1800" b="0" i="0" u="none" strike="noStrike" cap="none" normalizeH="0" baseline="0" dirty="0">
+                <a:ln>
+                  <a:noFill/>
+                </a:ln>
                 <a:solidFill>
-                  <a:srgbClr val="222222"/>
+                  <a:schemeClr val="tx1"/>
                 </a:solidFill>
                 <a:effectLst/>
-                <a:latin typeface="-apple-system"/>
               </a:rPr>
-              <a:t>: 153–156</a:t>
-            </a:r>
-            <a:endParaRPr lang="en-GB" dirty="0"/>
+              <a:t>, E., </a:t>
+            </a:r>
+            <a:r>
+              <a:rPr kumimoji="0" lang="en-US" altLang="en-US" sz="1800" b="0" i="0" u="none" strike="noStrike" cap="none" normalizeH="0" baseline="0" dirty="0" err="1">
+                <a:ln>
+                  <a:noFill/>
+                </a:ln>
+                <a:solidFill>
+                  <a:schemeClr val="tx1"/>
+                </a:solidFill>
+                <a:effectLst/>
+              </a:rPr>
+              <a:t>Roayaie</a:t>
+            </a:r>
+            <a:r>
+              <a:rPr kumimoji="0" lang="en-US" altLang="en-US" sz="1800" b="0" i="0" u="none" strike="noStrike" cap="none" normalizeH="0" baseline="0" dirty="0">
+                <a:ln>
+                  <a:noFill/>
+                </a:ln>
+                <a:solidFill>
+                  <a:schemeClr val="tx1"/>
+                </a:solidFill>
+                <a:effectLst/>
+              </a:rPr>
+              <a:t>, S., Lencioni, R., Koike, K., &amp; Finn, R. S. (2021). Hepatocellular carcinoma. </a:t>
+            </a:r>
+            <a:r>
+              <a:rPr kumimoji="0" lang="en-US" altLang="en-US" sz="1800" b="0" i="1" u="none" strike="noStrike" cap="none" normalizeH="0" baseline="0" dirty="0">
+                <a:ln>
+                  <a:noFill/>
+                </a:ln>
+                <a:solidFill>
+                  <a:schemeClr val="tx1"/>
+                </a:solidFill>
+                <a:effectLst/>
+              </a:rPr>
+              <a:t>Nature Reviews Disease Primers</a:t>
+            </a:r>
+            <a:r>
+              <a:rPr kumimoji="0" lang="en-US" altLang="en-US" sz="1800" b="0" i="0" u="none" strike="noStrike" cap="none" normalizeH="0" baseline="0" dirty="0">
+                <a:ln>
+                  <a:noFill/>
+                </a:ln>
+                <a:solidFill>
+                  <a:schemeClr val="tx1"/>
+                </a:solidFill>
+                <a:effectLst/>
+              </a:rPr>
+              <a:t>, </a:t>
+            </a:r>
+            <a:r>
+              <a:rPr kumimoji="0" lang="en-US" altLang="en-US" sz="1800" b="0" i="1" u="none" strike="noStrike" cap="none" normalizeH="0" baseline="0" dirty="0">
+                <a:ln>
+                  <a:noFill/>
+                </a:ln>
+                <a:solidFill>
+                  <a:schemeClr val="tx1"/>
+                </a:solidFill>
+                <a:effectLst/>
+              </a:rPr>
+              <a:t>7</a:t>
+            </a:r>
+            <a:r>
+              <a:rPr kumimoji="0" lang="en-US" altLang="en-US" sz="1800" b="0" i="0" u="none" strike="noStrike" cap="none" normalizeH="0" baseline="0" dirty="0">
+                <a:ln>
+                  <a:noFill/>
+                </a:ln>
+                <a:solidFill>
+                  <a:schemeClr val="tx1"/>
+                </a:solidFill>
+                <a:effectLst/>
+              </a:rPr>
+              <a:t>(1), 1-28. https://doi.org/10.1038/s41572-020-00240-3</a:t>
+            </a:r>
+          </a:p>
+          <a:p>
+            <a:pPr eaLnBrk="0" fontAlgn="base" hangingPunct="0">
+              <a:lnSpc>
+                <a:spcPct val="100000"/>
+              </a:lnSpc>
+              <a:spcBef>
+                <a:spcPct val="0"/>
+              </a:spcBef>
+              <a:spcAft>
+                <a:spcPct val="0"/>
+              </a:spcAft>
+            </a:pPr>
+            <a:endParaRPr lang="en-US" altLang="en-US" sz="1800" dirty="0"/>
+          </a:p>
+          <a:p>
+            <a:pPr eaLnBrk="0" fontAlgn="base" hangingPunct="0">
+              <a:lnSpc>
+                <a:spcPct val="100000"/>
+              </a:lnSpc>
+              <a:spcBef>
+                <a:spcPct val="0"/>
+              </a:spcBef>
+              <a:spcAft>
+                <a:spcPct val="0"/>
+              </a:spcAft>
+            </a:pPr>
+            <a:endParaRPr kumimoji="0" lang="en-US" altLang="en-US" sz="1800" b="0" i="0" u="none" strike="noStrike" cap="none" normalizeH="0" baseline="0" dirty="0">
+              <a:ln>
+                <a:noFill/>
+              </a:ln>
+              <a:solidFill>
+                <a:schemeClr val="tx1"/>
+              </a:solidFill>
+              <a:effectLst/>
+            </a:endParaRPr>
           </a:p>
         </p:txBody>
       </p:sp>
